--- a/Predicting Breast Cancer_ MAHacks III project.pptx
+++ b/Predicting Breast Cancer_ MAHacks III project.pptx
@@ -259,6 +259,11 @@
       </a:defRPr>
     </a:lvl9pPr>
   </p:defaultTextStyle>
+  <p:extLst>
+    <p:ext uri="{EFAFB233-063F-42B5-8137-9DF3F51BA10A}">
+      <p15:sldGuideLst xmlns:p15="http://schemas.microsoft.com/office/powerpoint/2012/main"/>
+    </p:ext>
+  </p:extLst>
 </p:presentation>
 </file>
 
@@ -8971,10 +8976,18 @@
               <a:buNone/>
             </a:pPr>
             <a:r>
-              <a:rPr lang="en"/>
-              <a:t>For this project, I wanted to use my fledgling machine learning skills in order to solve a problem in the medical industry. According to the World Cancer Research fund, Breast Cancer is the most common cancer in women, and the second most common type of cancer overall. My aim with this project was to train both a logistic regression classifier and a neural network on a dataset of various breast tumors to develop a way to accurately and confidently predict whether a tumor is benign or malignant.</a:t>
+              <a:rPr lang="en" dirty="0"/>
+              <a:t>For this project, I wanted to use my fledgling machine learning skills in order to solve a problem in the medical industry. According to the World Cancer Research fund, Breast Cancer is the most common cancer in women, and the second most common type of cancer overall. </a:t>
             </a:r>
-            <a:endParaRPr/>
+            <a:r>
+              <a:rPr lang="en-US" dirty="0"/>
+              <a:t>I decided to try to classify breast tumors into cancerous and non-cancerous. I chose breast cancer because there is lots of data for it because it’s so common.</a:t>
+            </a:r>
+            <a:r>
+              <a:rPr lang="en" dirty="0"/>
+              <a:t> My aim with this project was to train both a logistic regression classifier and a neural network on a dataset of various breast tumors to develop a way to accurately and confidently predict whether a tumor is benign or malignant.</a:t>
+            </a:r>
+            <a:endParaRPr dirty="0"/>
           </a:p>
         </p:txBody>
       </p:sp>
@@ -9041,10 +9054,10 @@
               <a:buNone/>
             </a:pPr>
             <a:r>
-              <a:rPr lang="en"/>
-              <a:t>25%</a:t>
+              <a:rPr lang="en" dirty="0"/>
+              <a:t>1.7 million</a:t>
             </a:r>
-            <a:endParaRPr/>
+            <a:endParaRPr dirty="0"/>
           </a:p>
         </p:txBody>
       </p:sp>
@@ -9083,10 +9096,10 @@
               <a:buNone/>
             </a:pPr>
             <a:r>
-              <a:rPr lang="en"/>
-              <a:t>Percent of all cancer in women is breast cancer</a:t>
+              <a:rPr lang="en-US" dirty="0"/>
+              <a:t>New cases of Breast Cancer per year</a:t>
             </a:r>
-            <a:endParaRPr/>
+            <a:endParaRPr dirty="0"/>
           </a:p>
         </p:txBody>
       </p:sp>
@@ -9195,10 +9208,10 @@
               <a:buNone/>
             </a:pPr>
             <a:r>
-              <a:rPr lang="en"/>
+              <a:rPr lang="en" dirty="0"/>
               <a:t>In order to train my neural network and logistic regression classifier to recognize malignant tumors, I needed a dataset with examples of both types tumors for both of my classifiers to look at. I found a dataset published by the University of California, Irvine that had information about many examples of breast tumors. I used GNU Octave, a free and open source programming language in order to make sure that my results could be reproducible.</a:t>
             </a:r>
-            <a:endParaRPr/>
+            <a:endParaRPr dirty="0"/>
           </a:p>
           <a:p>
             <a:pPr marL="0" lvl="0" indent="0">
@@ -9211,10 +9224,10 @@
               <a:buNone/>
             </a:pPr>
             <a:r>
-              <a:rPr lang="en"/>
+              <a:rPr lang="en" dirty="0"/>
               <a:t>Link to source code and images from this presentation: </a:t>
             </a:r>
-            <a:endParaRPr/>
+            <a:endParaRPr dirty="0"/>
           </a:p>
         </p:txBody>
       </p:sp>
@@ -9323,10 +9336,17 @@
               <a:buNone/>
             </a:pPr>
             <a:r>
-              <a:rPr lang="en"/>
-              <a:t>First, I formatted the data, removing attributes that didn’t correlate with being malignant or benign. To do this, I plotted histograms of each attribute for malignant and benign tumors. Then, I trained two logistic regression classifiers, which plot the data in many dimensions and try to find a complex surface that separates the benign tumors from the malignant ones. I trained both linear and polynomial logistic regression classifiers. I also tried training a neural network, which is able to learn more complex prediction equations.</a:t>
+              <a:rPr lang="en" dirty="0"/>
+              <a:t>First, I formatted the data, removing attributes that didn’t correlate with being malignant or benign. To do this, I plotted histograms of each attribute for malignant and benign tumors. Then, I trained two logistic regression classifiers, which plot the data in many dimensions and try to find a complex surface that separates the benign tumors from the malignant ones. I trained both linear and polynomial logistic regression classifiers. I also tried training a neural network, which is able to learn more complex prediction equations </a:t>
             </a:r>
-            <a:endParaRPr/>
+            <a:r>
+              <a:rPr lang="en-US" dirty="0"/>
+              <a:t>and is modeled after the human brain</a:t>
+            </a:r>
+            <a:r>
+              <a:rPr lang="en" dirty="0"/>
+              <a:t>.</a:t>
+            </a:r>
           </a:p>
         </p:txBody>
       </p:sp>
@@ -9371,7 +9391,7 @@
         <p:spPr>
           <a:xfrm>
             <a:off x="319500" y="4230575"/>
-            <a:ext cx="5998800" cy="598800"/>
+            <a:ext cx="8452360" cy="598800"/>
           </a:xfrm>
           <a:prstGeom prst="rect">
             <a:avLst/>
@@ -9395,7 +9415,7 @@
               </a:spcAft>
               <a:buNone/>
             </a:pPr>
-            <a:endParaRPr/>
+            <a:endParaRPr dirty="0"/>
           </a:p>
           <a:p>
             <a:pPr marL="0" lvl="0" indent="0" rtl="0">
@@ -9411,10 +9431,18 @@
               <a:buNone/>
             </a:pPr>
             <a:r>
-              <a:rPr lang="en"/>
-              <a:t>Histograms showing correlation between tumor type and various attributes</a:t>
+              <a:rPr lang="en" dirty="0"/>
+              <a:t>Histograms showing correlation between tumor type and various attributes        By looking at which average each att</a:t>
             </a:r>
-            <a:endParaRPr/>
+            <a:r>
+              <a:rPr lang="en-US" dirty="0" err="1"/>
+              <a:t>ribute</a:t>
+            </a:r>
+            <a:r>
+              <a:rPr lang="en-US" dirty="0"/>
+              <a:t> is closer to, we can predict whether each tumor is malignant.</a:t>
+            </a:r>
+            <a:endParaRPr lang="en" dirty="0"/>
           </a:p>
         </p:txBody>
       </p:sp>
